--- a/Week-6-Presentation/Week-6-Presentation.pptx
+++ b/Week-6-Presentation/Week-6-Presentation.pptx
@@ -3399,7 +3399,7 @@
                 </a:solidFill>
                 <a:latin typeface="+mn-lt"/>
               </a:rPr>
-              <a:t>WEEK-5</a:t>
+              <a:t>WEEK-6</a:t>
             </a:r>
             <a:br>
               <a:rPr lang="en-IN" b="1" dirty="0">

--- a/Week-6-Presentation/Week-6-Presentation.pptx
+++ b/Week-6-Presentation/Week-6-Presentation.pptx
@@ -3399,7 +3399,7 @@
                 </a:solidFill>
                 <a:latin typeface="+mn-lt"/>
               </a:rPr>
-              <a:t>WEEK-6</a:t>
+              <a:t>WEEK-5</a:t>
             </a:r>
             <a:br>
               <a:rPr lang="en-IN" b="1" dirty="0">
